--- a/pres-source/04-sql.pptx
+++ b/pres-source/04-sql.pptx
@@ -223,7 +223,7 @@
             <a:fld id="{7307762F-A706-E543-A832-3C298AA3103F}" type="datetimeFigureOut">
               <a:rPr lang="en-US" smtClean="0"/>
               <a:pPr/>
-              <a:t>05/12/17</a:t>
+              <a:t>08/12/17</a:t>
             </a:fld>
             <a:endParaRPr lang="en-US" dirty="0"/>
           </a:p>
@@ -790,7 +790,7 @@
           <a:p>
             <a:fld id="{875CF0EB-321F-0749-B37A-89BBA859503C}" type="datetimeFigureOut">
               <a:rPr lang="en-US" smtClean="0"/>
-              <a:t>05/12/17</a:t>
+              <a:t>08/12/17</a:t>
             </a:fld>
             <a:endParaRPr lang="en-US"/>
           </a:p>
@@ -994,7 +994,7 @@
           <a:p>
             <a:fld id="{875CF0EB-321F-0749-B37A-89BBA859503C}" type="datetimeFigureOut">
               <a:rPr lang="en-US" smtClean="0"/>
-              <a:t>05/12/17</a:t>
+              <a:t>08/12/17</a:t>
             </a:fld>
             <a:endParaRPr lang="en-US"/>
           </a:p>
@@ -1188,7 +1188,7 @@
           <a:p>
             <a:fld id="{875CF0EB-321F-0749-B37A-89BBA859503C}" type="datetimeFigureOut">
               <a:rPr lang="en-US" smtClean="0"/>
-              <a:t>05/12/17</a:t>
+              <a:t>08/12/17</a:t>
             </a:fld>
             <a:endParaRPr lang="en-US"/>
           </a:p>
@@ -1458,7 +1458,7 @@
           <a:p>
             <a:fld id="{875CF0EB-321F-0749-B37A-89BBA859503C}" type="datetimeFigureOut">
               <a:rPr lang="en-US" smtClean="0"/>
-              <a:t>05/12/17</a:t>
+              <a:t>08/12/17</a:t>
             </a:fld>
             <a:endParaRPr lang="en-US"/>
           </a:p>
@@ -1770,7 +1770,7 @@
           <a:p>
             <a:fld id="{875CF0EB-321F-0749-B37A-89BBA859503C}" type="datetimeFigureOut">
               <a:rPr lang="en-US" smtClean="0"/>
-              <a:t>05/12/17</a:t>
+              <a:t>08/12/17</a:t>
             </a:fld>
             <a:endParaRPr lang="en-US"/>
           </a:p>
@@ -2216,7 +2216,7 @@
           <a:p>
             <a:fld id="{875CF0EB-321F-0749-B37A-89BBA859503C}" type="datetimeFigureOut">
               <a:rPr lang="en-US" smtClean="0"/>
-              <a:t>05/12/17</a:t>
+              <a:t>08/12/17</a:t>
             </a:fld>
             <a:endParaRPr lang="en-US"/>
           </a:p>
@@ -2358,7 +2358,7 @@
           <a:p>
             <a:fld id="{875CF0EB-321F-0749-B37A-89BBA859503C}" type="datetimeFigureOut">
               <a:rPr lang="en-US" smtClean="0"/>
-              <a:t>05/12/17</a:t>
+              <a:t>08/12/17</a:t>
             </a:fld>
             <a:endParaRPr lang="en-US"/>
           </a:p>
@@ -2477,7 +2477,7 @@
           <a:p>
             <a:fld id="{875CF0EB-321F-0749-B37A-89BBA859503C}" type="datetimeFigureOut">
               <a:rPr lang="en-US" smtClean="0"/>
-              <a:t>05/12/17</a:t>
+              <a:t>08/12/17</a:t>
             </a:fld>
             <a:endParaRPr lang="en-US"/>
           </a:p>
@@ -2778,7 +2778,7 @@
           <a:p>
             <a:fld id="{875CF0EB-321F-0749-B37A-89BBA859503C}" type="datetimeFigureOut">
               <a:rPr lang="en-US" smtClean="0"/>
-              <a:t>05/12/17</a:t>
+              <a:t>08/12/17</a:t>
             </a:fld>
             <a:endParaRPr lang="en-US"/>
           </a:p>
@@ -3055,7 +3055,7 @@
           <a:p>
             <a:fld id="{875CF0EB-321F-0749-B37A-89BBA859503C}" type="datetimeFigureOut">
               <a:rPr lang="en-US" smtClean="0"/>
-              <a:t>05/12/17</a:t>
+              <a:t>08/12/17</a:t>
             </a:fld>
             <a:endParaRPr lang="en-US"/>
           </a:p>
@@ -7356,14 +7356,140 @@
         </p:nvSpPr>
         <p:spPr/>
         <p:txBody>
-          <a:bodyPr/>
+          <a:bodyPr>
+            <a:normAutofit/>
+          </a:bodyPr>
           <a:lstStyle/>
           <a:p>
             <a:r>
               <a:rPr lang="en-US" dirty="0" smtClean="0"/>
-              <a:t>In SQL a User Defined Function is an extension that helps</a:t>
-            </a:r>
-            <a:endParaRPr lang="en-US" dirty="0"/>
+              <a:t>In SQL a User Defined Function is an extension that </a:t>
+            </a:r>
+            <a:r>
+              <a:rPr lang="en-US" dirty="0" smtClean="0"/>
+              <a:t>helps perform other functions in SQL</a:t>
+            </a:r>
+          </a:p>
+          <a:p>
+            <a:r>
+              <a:rPr lang="en-US" dirty="0" smtClean="0"/>
+              <a:t>In Spark we can add our own functions (e.g. written in Python)</a:t>
+            </a:r>
+          </a:p>
+          <a:p>
+            <a:pPr marL="0" indent="0">
+              <a:buNone/>
+            </a:pPr>
+            <a:r>
+              <a:rPr lang="en-US" sz="2000" dirty="0" err="1">
+                <a:latin typeface="Menlo Regular"/>
+                <a:cs typeface="Menlo Regular"/>
+              </a:rPr>
+              <a:t>def</a:t>
+            </a:r>
+            <a:r>
+              <a:rPr lang="en-US" sz="2000" dirty="0">
+                <a:latin typeface="Menlo Regular"/>
+                <a:cs typeface="Menlo Regular"/>
+              </a:rPr>
+              <a:t> squared(s):</a:t>
+            </a:r>
+          </a:p>
+          <a:p>
+            <a:pPr marL="0" indent="0">
+              <a:buNone/>
+            </a:pPr>
+            <a:r>
+              <a:rPr lang="en-US" sz="2000" dirty="0">
+                <a:latin typeface="Menlo Regular"/>
+                <a:cs typeface="Menlo Regular"/>
+              </a:rPr>
+              <a:t>  return s * s</a:t>
+            </a:r>
+          </a:p>
+          <a:p>
+            <a:pPr marL="0" indent="0">
+              <a:buNone/>
+            </a:pPr>
+            <a:r>
+              <a:rPr lang="en-US" sz="2000" dirty="0" err="1">
+                <a:latin typeface="Menlo Regular"/>
+                <a:cs typeface="Menlo Regular"/>
+              </a:rPr>
+              <a:t>sqlContext.udf.register</a:t>
+            </a:r>
+            <a:r>
+              <a:rPr lang="en-US" sz="2000" dirty="0">
+                <a:latin typeface="Menlo Regular"/>
+                <a:cs typeface="Menlo Regular"/>
+              </a:rPr>
+              <a:t>("</a:t>
+            </a:r>
+            <a:r>
+              <a:rPr lang="en-US" sz="2000" dirty="0" smtClean="0">
+                <a:latin typeface="Menlo Regular"/>
+                <a:cs typeface="Menlo Regular"/>
+              </a:rPr>
+              <a:t>squared"</a:t>
+            </a:r>
+            <a:r>
+              <a:rPr lang="en-US" sz="2000" dirty="0">
+                <a:latin typeface="Menlo Regular"/>
+                <a:cs typeface="Menlo Regular"/>
+              </a:rPr>
+              <a:t>, squared</a:t>
+            </a:r>
+            <a:r>
+              <a:rPr lang="en-US" sz="2000" dirty="0" smtClean="0">
+                <a:latin typeface="Menlo Regular"/>
+                <a:cs typeface="Menlo Regular"/>
+              </a:rPr>
+              <a:t>)</a:t>
+            </a:r>
+            <a:br>
+              <a:rPr lang="en-US" sz="2000" dirty="0" smtClean="0">
+                <a:latin typeface="Menlo Regular"/>
+                <a:cs typeface="Menlo Regular"/>
+              </a:rPr>
+            </a:br>
+            <a:r>
+              <a:rPr lang="en-US" sz="2000" dirty="0" smtClean="0">
+                <a:latin typeface="Menlo Regular"/>
+                <a:cs typeface="Menlo Regular"/>
+              </a:rPr>
+              <a:t/>
+            </a:r>
+            <a:br>
+              <a:rPr lang="en-US" sz="2000" dirty="0" smtClean="0">
+                <a:latin typeface="Menlo Regular"/>
+                <a:cs typeface="Menlo Regular"/>
+              </a:rPr>
+            </a:br>
+            <a:r>
+              <a:rPr lang="en-US" sz="2000" dirty="0" smtClean="0">
+                <a:latin typeface="Menlo Regular"/>
+                <a:cs typeface="Menlo Regular"/>
+              </a:rPr>
+              <a:t>SELECT squared(age) as </a:t>
+            </a:r>
+            <a:r>
+              <a:rPr lang="en-US" sz="2000" dirty="0" err="1" smtClean="0">
+                <a:latin typeface="Menlo Regular"/>
+                <a:cs typeface="Menlo Regular"/>
+              </a:rPr>
+              <a:t>agesquared</a:t>
+            </a:r>
+            <a:r>
+              <a:rPr lang="en-US" sz="2000" smtClean="0">
+                <a:latin typeface="Menlo Regular"/>
+                <a:cs typeface="Menlo Regular"/>
+              </a:rPr>
+              <a:t> from PERSON</a:t>
+            </a:r>
+            <a:endParaRPr lang="en-US" sz="2000" dirty="0">
+              <a:latin typeface="Menlo Regular"/>
+              <a:cs typeface="Menlo Regular"/>
+            </a:endParaRPr>
           </a:p>
         </p:txBody>
       </p:sp>
